--- a/Weekly-Reports/ComparitiveAnalyisi.pptx
+++ b/Weekly-Reports/ComparitiveAnalyisi.pptx
@@ -258,7 +258,7 @@
           <a:p>
             <a:fld id="{F4F1A71A-9BFD-4E2F-8CB1-3FF418E5A8DE}" type="datetimeFigureOut">
               <a:rPr lang="sv-SE" smtClean="0"/>
-              <a:t>2023-06-12</a:t>
+              <a:t>2023-09-13</a:t>
             </a:fld>
             <a:endParaRPr lang="sv-SE"/>
           </a:p>
@@ -741,7 +741,7 @@
           <a:p>
             <a:fld id="{F1EF6EBA-2446-4F83-BF27-4368AC2AD5AA}" type="datetimeFigureOut">
               <a:rPr lang="sv-SE" smtClean="0"/>
-              <a:t>2023-06-12</a:t>
+              <a:t>2023-09-13</a:t>
             </a:fld>
             <a:endParaRPr lang="sv-SE"/>
           </a:p>
@@ -911,7 +911,7 @@
           <a:p>
             <a:fld id="{F1EF6EBA-2446-4F83-BF27-4368AC2AD5AA}" type="datetimeFigureOut">
               <a:rPr lang="sv-SE" smtClean="0"/>
-              <a:t>2023-06-12</a:t>
+              <a:t>2023-09-13</a:t>
             </a:fld>
             <a:endParaRPr lang="sv-SE"/>
           </a:p>
@@ -1091,7 +1091,7 @@
           <a:p>
             <a:fld id="{F1EF6EBA-2446-4F83-BF27-4368AC2AD5AA}" type="datetimeFigureOut">
               <a:rPr lang="sv-SE" smtClean="0"/>
-              <a:t>2023-06-12</a:t>
+              <a:t>2023-09-13</a:t>
             </a:fld>
             <a:endParaRPr lang="sv-SE"/>
           </a:p>
@@ -1261,7 +1261,7 @@
           <a:p>
             <a:fld id="{F1EF6EBA-2446-4F83-BF27-4368AC2AD5AA}" type="datetimeFigureOut">
               <a:rPr lang="sv-SE" smtClean="0"/>
-              <a:t>2023-06-12</a:t>
+              <a:t>2023-09-13</a:t>
             </a:fld>
             <a:endParaRPr lang="sv-SE"/>
           </a:p>
@@ -1507,7 +1507,7 @@
           <a:p>
             <a:fld id="{F1EF6EBA-2446-4F83-BF27-4368AC2AD5AA}" type="datetimeFigureOut">
               <a:rPr lang="sv-SE" smtClean="0"/>
-              <a:t>2023-06-12</a:t>
+              <a:t>2023-09-13</a:t>
             </a:fld>
             <a:endParaRPr lang="sv-SE"/>
           </a:p>
@@ -1739,7 +1739,7 @@
           <a:p>
             <a:fld id="{F1EF6EBA-2446-4F83-BF27-4368AC2AD5AA}" type="datetimeFigureOut">
               <a:rPr lang="sv-SE" smtClean="0"/>
-              <a:t>2023-06-12</a:t>
+              <a:t>2023-09-13</a:t>
             </a:fld>
             <a:endParaRPr lang="sv-SE"/>
           </a:p>
@@ -2106,7 +2106,7 @@
           <a:p>
             <a:fld id="{F1EF6EBA-2446-4F83-BF27-4368AC2AD5AA}" type="datetimeFigureOut">
               <a:rPr lang="sv-SE" smtClean="0"/>
-              <a:t>2023-06-12</a:t>
+              <a:t>2023-09-13</a:t>
             </a:fld>
             <a:endParaRPr lang="sv-SE"/>
           </a:p>
@@ -2224,7 +2224,7 @@
           <a:p>
             <a:fld id="{F1EF6EBA-2446-4F83-BF27-4368AC2AD5AA}" type="datetimeFigureOut">
               <a:rPr lang="sv-SE" smtClean="0"/>
-              <a:t>2023-06-12</a:t>
+              <a:t>2023-09-13</a:t>
             </a:fld>
             <a:endParaRPr lang="sv-SE"/>
           </a:p>
@@ -2319,7 +2319,7 @@
           <a:p>
             <a:fld id="{F1EF6EBA-2446-4F83-BF27-4368AC2AD5AA}" type="datetimeFigureOut">
               <a:rPr lang="sv-SE" smtClean="0"/>
-              <a:t>2023-06-12</a:t>
+              <a:t>2023-09-13</a:t>
             </a:fld>
             <a:endParaRPr lang="sv-SE"/>
           </a:p>
@@ -2596,7 +2596,7 @@
           <a:p>
             <a:fld id="{F1EF6EBA-2446-4F83-BF27-4368AC2AD5AA}" type="datetimeFigureOut">
               <a:rPr lang="sv-SE" smtClean="0"/>
-              <a:t>2023-06-12</a:t>
+              <a:t>2023-09-13</a:t>
             </a:fld>
             <a:endParaRPr lang="sv-SE"/>
           </a:p>
@@ -2849,7 +2849,7 @@
           <a:p>
             <a:fld id="{F1EF6EBA-2446-4F83-BF27-4368AC2AD5AA}" type="datetimeFigureOut">
               <a:rPr lang="sv-SE" smtClean="0"/>
-              <a:t>2023-06-12</a:t>
+              <a:t>2023-09-13</a:t>
             </a:fld>
             <a:endParaRPr lang="sv-SE"/>
           </a:p>
@@ -3062,7 +3062,7 @@
           <a:p>
             <a:fld id="{F1EF6EBA-2446-4F83-BF27-4368AC2AD5AA}" type="datetimeFigureOut">
               <a:rPr lang="sv-SE" smtClean="0"/>
-              <a:t>2023-06-12</a:t>
+              <a:t>2023-09-13</a:t>
             </a:fld>
             <a:endParaRPr lang="sv-SE"/>
           </a:p>
@@ -12041,7 +12041,7 @@
         </p:nvSpPr>
         <p:spPr>
           <a:xfrm>
-            <a:off x="8864600" y="2705824"/>
+            <a:off x="8815173" y="2644040"/>
             <a:ext cx="2559050" cy="1477328"/>
           </a:xfrm>
           <a:prstGeom prst="rect">
